--- a/ppt 16-9/1571.使命.pptx
+++ b/ppt 16-9/1571.使命.pptx
@@ -5,7 +5,7 @@
     <p:sldMasterId id="2147483648" r:id="rId1"/>
   </p:sldMasterIdLst>
   <p:sldIdLst>
-    <p:sldId id="3426" r:id="rId2"/>
+    <p:sldId id="3427" r:id="rId2"/>
   </p:sldIdLst>
   <p:sldSz cx="12192000" cy="6858000"/>
   <p:notesSz cx="6858000" cy="9144000"/>
@@ -129,7 +129,7 @@
           <p:cNvPr id="2" name="标题 1">
             <a:extLst>
               <a:ext uri="{FF2B5EF4-FFF2-40B4-BE49-F238E27FC236}">
-                <a16:creationId xmlns:a16="http://schemas.microsoft.com/office/drawing/2014/main" id="{C773FC72-AC91-4BEB-31ED-7FBAE8AB5B92}"/>
+                <a16:creationId xmlns:a16="http://schemas.microsoft.com/office/drawing/2014/main" id="{FBC3F3C1-CCE2-7F46-86DF-15D926044C25}"/>
               </a:ext>
             </a:extLst>
           </p:cNvPr>
@@ -166,7 +166,7 @@
           <p:cNvPr id="3" name="副标题 2">
             <a:extLst>
               <a:ext uri="{FF2B5EF4-FFF2-40B4-BE49-F238E27FC236}">
-                <a16:creationId xmlns:a16="http://schemas.microsoft.com/office/drawing/2014/main" id="{C30975F0-CCF2-3077-192D-059177C5F7A4}"/>
+                <a16:creationId xmlns:a16="http://schemas.microsoft.com/office/drawing/2014/main" id="{4D1647B3-4D98-366F-73B0-4DE8D335274D}"/>
               </a:ext>
             </a:extLst>
           </p:cNvPr>
@@ -236,7 +236,7 @@
           <p:cNvPr id="4" name="日期占位符 3">
             <a:extLst>
               <a:ext uri="{FF2B5EF4-FFF2-40B4-BE49-F238E27FC236}">
-                <a16:creationId xmlns:a16="http://schemas.microsoft.com/office/drawing/2014/main" id="{FE2F3850-68C1-8243-2813-5295582846C0}"/>
+                <a16:creationId xmlns:a16="http://schemas.microsoft.com/office/drawing/2014/main" id="{383B5FDF-C5F1-8EA8-E7BD-CC9060EA257F}"/>
               </a:ext>
             </a:extLst>
           </p:cNvPr>
@@ -252,7 +252,7 @@
           <a:bodyPr/>
           <a:lstStyle/>
           <a:p>
-            <a:fld id="{5284A2DC-E13B-4B3A-A795-17E8622B7385}" type="datetimeFigureOut">
+            <a:fld id="{F7D5B300-B835-4F2C-8863-9CD74381E740}" type="datetimeFigureOut">
               <a:rPr lang="zh-CN" altLang="en-US" smtClean="0"/>
               <a:t>2024/3/10</a:t>
             </a:fld>
@@ -265,7 +265,7 @@
           <p:cNvPr id="5" name="页脚占位符 4">
             <a:extLst>
               <a:ext uri="{FF2B5EF4-FFF2-40B4-BE49-F238E27FC236}">
-                <a16:creationId xmlns:a16="http://schemas.microsoft.com/office/drawing/2014/main" id="{180B5CE2-6614-D14B-7E76-FB077F041B19}"/>
+                <a16:creationId xmlns:a16="http://schemas.microsoft.com/office/drawing/2014/main" id="{E0FC3753-C8AE-318A-D65E-F73E4D29543F}"/>
               </a:ext>
             </a:extLst>
           </p:cNvPr>
@@ -290,7 +290,7 @@
           <p:cNvPr id="6" name="灯片编号占位符 5">
             <a:extLst>
               <a:ext uri="{FF2B5EF4-FFF2-40B4-BE49-F238E27FC236}">
-                <a16:creationId xmlns:a16="http://schemas.microsoft.com/office/drawing/2014/main" id="{B1795DDF-F607-392C-1FE1-DF3AD7C38FB5}"/>
+                <a16:creationId xmlns:a16="http://schemas.microsoft.com/office/drawing/2014/main" id="{75CDFE5D-1EE9-1607-3F3B-569923AA23E7}"/>
               </a:ext>
             </a:extLst>
           </p:cNvPr>
@@ -306,7 +306,7 @@
           <a:bodyPr/>
           <a:lstStyle/>
           <a:p>
-            <a:fld id="{C5A1090E-FCA0-4567-BB54-71A3C1AE2B43}" type="slidenum">
+            <a:fld id="{FD927EBE-02FE-49F6-82BC-28438A1747DE}" type="slidenum">
               <a:rPr lang="zh-CN" altLang="en-US" smtClean="0"/>
               <a:t>‹#›</a:t>
             </a:fld>
@@ -317,7 +317,7 @@
     </p:spTree>
     <p:extLst>
       <p:ext uri="{BB962C8B-B14F-4D97-AF65-F5344CB8AC3E}">
-        <p14:creationId xmlns:p14="http://schemas.microsoft.com/office/powerpoint/2010/main" val="4253979493"/>
+        <p14:creationId xmlns:p14="http://schemas.microsoft.com/office/powerpoint/2010/main" val="1675412035"/>
       </p:ext>
     </p:extLst>
   </p:cSld>
@@ -349,7 +349,7 @@
           <p:cNvPr id="2" name="标题 1">
             <a:extLst>
               <a:ext uri="{FF2B5EF4-FFF2-40B4-BE49-F238E27FC236}">
-                <a16:creationId xmlns:a16="http://schemas.microsoft.com/office/drawing/2014/main" id="{9F6858E2-38AD-D53D-C478-50CA7E72FE81}"/>
+                <a16:creationId xmlns:a16="http://schemas.microsoft.com/office/drawing/2014/main" id="{CAD6CE62-64E3-E6CB-B13D-0EE7A8CA61A9}"/>
               </a:ext>
             </a:extLst>
           </p:cNvPr>
@@ -377,7 +377,7 @@
           <p:cNvPr id="3" name="竖排文字占位符 2">
             <a:extLst>
               <a:ext uri="{FF2B5EF4-FFF2-40B4-BE49-F238E27FC236}">
-                <a16:creationId xmlns:a16="http://schemas.microsoft.com/office/drawing/2014/main" id="{AB823AC3-7734-5899-B7B7-CF1988F5CCEB}"/>
+                <a16:creationId xmlns:a16="http://schemas.microsoft.com/office/drawing/2014/main" id="{8BAD7887-9326-6272-07CC-E1126867C30C}"/>
               </a:ext>
             </a:extLst>
           </p:cNvPr>
@@ -434,7 +434,7 @@
           <p:cNvPr id="4" name="日期占位符 3">
             <a:extLst>
               <a:ext uri="{FF2B5EF4-FFF2-40B4-BE49-F238E27FC236}">
-                <a16:creationId xmlns:a16="http://schemas.microsoft.com/office/drawing/2014/main" id="{21CFFA26-1501-924A-B2F5-44FA02C33F68}"/>
+                <a16:creationId xmlns:a16="http://schemas.microsoft.com/office/drawing/2014/main" id="{C5C0CCCF-5D40-67A1-8093-BFBEEAEF7ADC}"/>
               </a:ext>
             </a:extLst>
           </p:cNvPr>
@@ -450,7 +450,7 @@
           <a:bodyPr/>
           <a:lstStyle/>
           <a:p>
-            <a:fld id="{5284A2DC-E13B-4B3A-A795-17E8622B7385}" type="datetimeFigureOut">
+            <a:fld id="{F7D5B300-B835-4F2C-8863-9CD74381E740}" type="datetimeFigureOut">
               <a:rPr lang="zh-CN" altLang="en-US" smtClean="0"/>
               <a:t>2024/3/10</a:t>
             </a:fld>
@@ -463,7 +463,7 @@
           <p:cNvPr id="5" name="页脚占位符 4">
             <a:extLst>
               <a:ext uri="{FF2B5EF4-FFF2-40B4-BE49-F238E27FC236}">
-                <a16:creationId xmlns:a16="http://schemas.microsoft.com/office/drawing/2014/main" id="{F73451B6-A48C-BAC5-BD80-2D8057BF245D}"/>
+                <a16:creationId xmlns:a16="http://schemas.microsoft.com/office/drawing/2014/main" id="{3F7E0268-4A3F-88E3-86A7-C939E5A7F87B}"/>
               </a:ext>
             </a:extLst>
           </p:cNvPr>
@@ -488,7 +488,7 @@
           <p:cNvPr id="6" name="灯片编号占位符 5">
             <a:extLst>
               <a:ext uri="{FF2B5EF4-FFF2-40B4-BE49-F238E27FC236}">
-                <a16:creationId xmlns:a16="http://schemas.microsoft.com/office/drawing/2014/main" id="{F4FAFD4C-7FC9-988E-0A5D-0E49D82CE81B}"/>
+                <a16:creationId xmlns:a16="http://schemas.microsoft.com/office/drawing/2014/main" id="{12B3D928-48B6-8E40-3B90-AF317FE0F61F}"/>
               </a:ext>
             </a:extLst>
           </p:cNvPr>
@@ -504,7 +504,7 @@
           <a:bodyPr/>
           <a:lstStyle/>
           <a:p>
-            <a:fld id="{C5A1090E-FCA0-4567-BB54-71A3C1AE2B43}" type="slidenum">
+            <a:fld id="{FD927EBE-02FE-49F6-82BC-28438A1747DE}" type="slidenum">
               <a:rPr lang="zh-CN" altLang="en-US" smtClean="0"/>
               <a:t>‹#›</a:t>
             </a:fld>
@@ -515,7 +515,7 @@
     </p:spTree>
     <p:extLst>
       <p:ext uri="{BB962C8B-B14F-4D97-AF65-F5344CB8AC3E}">
-        <p14:creationId xmlns:p14="http://schemas.microsoft.com/office/powerpoint/2010/main" val="3148984898"/>
+        <p14:creationId xmlns:p14="http://schemas.microsoft.com/office/powerpoint/2010/main" val="990124973"/>
       </p:ext>
     </p:extLst>
   </p:cSld>
@@ -547,7 +547,7 @@
           <p:cNvPr id="2" name="竖排标题 1">
             <a:extLst>
               <a:ext uri="{FF2B5EF4-FFF2-40B4-BE49-F238E27FC236}">
-                <a16:creationId xmlns:a16="http://schemas.microsoft.com/office/drawing/2014/main" id="{B76B0061-96EA-A9F5-7EF0-BA3DD01D6234}"/>
+                <a16:creationId xmlns:a16="http://schemas.microsoft.com/office/drawing/2014/main" id="{B4EAD0D5-E448-5A79-0BF1-E63681BCB44F}"/>
               </a:ext>
             </a:extLst>
           </p:cNvPr>
@@ -580,7 +580,7 @@
           <p:cNvPr id="3" name="竖排文字占位符 2">
             <a:extLst>
               <a:ext uri="{FF2B5EF4-FFF2-40B4-BE49-F238E27FC236}">
-                <a16:creationId xmlns:a16="http://schemas.microsoft.com/office/drawing/2014/main" id="{588D1068-EC1F-A5DD-261A-48CFCC707E32}"/>
+                <a16:creationId xmlns:a16="http://schemas.microsoft.com/office/drawing/2014/main" id="{1A157130-FAD9-EA9C-E168-5370FE52178E}"/>
               </a:ext>
             </a:extLst>
           </p:cNvPr>
@@ -642,7 +642,7 @@
           <p:cNvPr id="4" name="日期占位符 3">
             <a:extLst>
               <a:ext uri="{FF2B5EF4-FFF2-40B4-BE49-F238E27FC236}">
-                <a16:creationId xmlns:a16="http://schemas.microsoft.com/office/drawing/2014/main" id="{F682872A-D98A-DBA0-703E-4863536F948C}"/>
+                <a16:creationId xmlns:a16="http://schemas.microsoft.com/office/drawing/2014/main" id="{CD7ECAB4-962D-C84F-7E8F-67D098AC8C10}"/>
               </a:ext>
             </a:extLst>
           </p:cNvPr>
@@ -658,7 +658,7 @@
           <a:bodyPr/>
           <a:lstStyle/>
           <a:p>
-            <a:fld id="{5284A2DC-E13B-4B3A-A795-17E8622B7385}" type="datetimeFigureOut">
+            <a:fld id="{F7D5B300-B835-4F2C-8863-9CD74381E740}" type="datetimeFigureOut">
               <a:rPr lang="zh-CN" altLang="en-US" smtClean="0"/>
               <a:t>2024/3/10</a:t>
             </a:fld>
@@ -671,7 +671,7 @@
           <p:cNvPr id="5" name="页脚占位符 4">
             <a:extLst>
               <a:ext uri="{FF2B5EF4-FFF2-40B4-BE49-F238E27FC236}">
-                <a16:creationId xmlns:a16="http://schemas.microsoft.com/office/drawing/2014/main" id="{397929F4-625E-C516-803F-112DF595C16F}"/>
+                <a16:creationId xmlns:a16="http://schemas.microsoft.com/office/drawing/2014/main" id="{C8182658-7A4E-E7D7-CDF6-A5C0410A7777}"/>
               </a:ext>
             </a:extLst>
           </p:cNvPr>
@@ -696,7 +696,7 @@
           <p:cNvPr id="6" name="灯片编号占位符 5">
             <a:extLst>
               <a:ext uri="{FF2B5EF4-FFF2-40B4-BE49-F238E27FC236}">
-                <a16:creationId xmlns:a16="http://schemas.microsoft.com/office/drawing/2014/main" id="{52373BE1-DE7C-7E39-B0F1-B1C898B73AC0}"/>
+                <a16:creationId xmlns:a16="http://schemas.microsoft.com/office/drawing/2014/main" id="{6442B6A5-A241-A803-CCDD-0095EFCC2D72}"/>
               </a:ext>
             </a:extLst>
           </p:cNvPr>
@@ -712,7 +712,7 @@
           <a:bodyPr/>
           <a:lstStyle/>
           <a:p>
-            <a:fld id="{C5A1090E-FCA0-4567-BB54-71A3C1AE2B43}" type="slidenum">
+            <a:fld id="{FD927EBE-02FE-49F6-82BC-28438A1747DE}" type="slidenum">
               <a:rPr lang="zh-CN" altLang="en-US" smtClean="0"/>
               <a:t>‹#›</a:t>
             </a:fld>
@@ -723,7 +723,7 @@
     </p:spTree>
     <p:extLst>
       <p:ext uri="{BB962C8B-B14F-4D97-AF65-F5344CB8AC3E}">
-        <p14:creationId xmlns:p14="http://schemas.microsoft.com/office/powerpoint/2010/main" val="3724102482"/>
+        <p14:creationId xmlns:p14="http://schemas.microsoft.com/office/powerpoint/2010/main" val="2925804304"/>
       </p:ext>
     </p:extLst>
   </p:cSld>
@@ -755,7 +755,7 @@
           <p:cNvPr id="2" name="标题 1">
             <a:extLst>
               <a:ext uri="{FF2B5EF4-FFF2-40B4-BE49-F238E27FC236}">
-                <a16:creationId xmlns:a16="http://schemas.microsoft.com/office/drawing/2014/main" id="{D4A678AD-59B5-5085-1BB9-BEC9371883A4}"/>
+                <a16:creationId xmlns:a16="http://schemas.microsoft.com/office/drawing/2014/main" id="{BB1C956B-953A-AB0F-5AB7-C3A9C07713F5}"/>
               </a:ext>
             </a:extLst>
           </p:cNvPr>
@@ -783,7 +783,7 @@
           <p:cNvPr id="3" name="内容占位符 2">
             <a:extLst>
               <a:ext uri="{FF2B5EF4-FFF2-40B4-BE49-F238E27FC236}">
-                <a16:creationId xmlns:a16="http://schemas.microsoft.com/office/drawing/2014/main" id="{118949AF-4D6A-4ABB-C136-CEA896A98764}"/>
+                <a16:creationId xmlns:a16="http://schemas.microsoft.com/office/drawing/2014/main" id="{EF8CFE56-54F0-55D2-1C53-88E25D03E543}"/>
               </a:ext>
             </a:extLst>
           </p:cNvPr>
@@ -840,7 +840,7 @@
           <p:cNvPr id="4" name="日期占位符 3">
             <a:extLst>
               <a:ext uri="{FF2B5EF4-FFF2-40B4-BE49-F238E27FC236}">
-                <a16:creationId xmlns:a16="http://schemas.microsoft.com/office/drawing/2014/main" id="{0908AA63-4EA4-A4E7-A75A-11EBFE8CB065}"/>
+                <a16:creationId xmlns:a16="http://schemas.microsoft.com/office/drawing/2014/main" id="{F27166E2-D229-EED9-D6E5-08FC66AC3C6E}"/>
               </a:ext>
             </a:extLst>
           </p:cNvPr>
@@ -856,7 +856,7 @@
           <a:bodyPr/>
           <a:lstStyle/>
           <a:p>
-            <a:fld id="{5284A2DC-E13B-4B3A-A795-17E8622B7385}" type="datetimeFigureOut">
+            <a:fld id="{F7D5B300-B835-4F2C-8863-9CD74381E740}" type="datetimeFigureOut">
               <a:rPr lang="zh-CN" altLang="en-US" smtClean="0"/>
               <a:t>2024/3/10</a:t>
             </a:fld>
@@ -869,7 +869,7 @@
           <p:cNvPr id="5" name="页脚占位符 4">
             <a:extLst>
               <a:ext uri="{FF2B5EF4-FFF2-40B4-BE49-F238E27FC236}">
-                <a16:creationId xmlns:a16="http://schemas.microsoft.com/office/drawing/2014/main" id="{386431BF-0593-29E8-9A40-E3EDE964CDE6}"/>
+                <a16:creationId xmlns:a16="http://schemas.microsoft.com/office/drawing/2014/main" id="{204E44AD-B35D-733D-C6F8-C3FD4BBC32F6}"/>
               </a:ext>
             </a:extLst>
           </p:cNvPr>
@@ -894,7 +894,7 @@
           <p:cNvPr id="6" name="灯片编号占位符 5">
             <a:extLst>
               <a:ext uri="{FF2B5EF4-FFF2-40B4-BE49-F238E27FC236}">
-                <a16:creationId xmlns:a16="http://schemas.microsoft.com/office/drawing/2014/main" id="{94D9ECC8-FA2A-F89D-6EA6-0CF2D8AF89E7}"/>
+                <a16:creationId xmlns:a16="http://schemas.microsoft.com/office/drawing/2014/main" id="{3F17A509-B2B6-FFF9-BF3C-E8C6AF86E95B}"/>
               </a:ext>
             </a:extLst>
           </p:cNvPr>
@@ -910,7 +910,7 @@
           <a:bodyPr/>
           <a:lstStyle/>
           <a:p>
-            <a:fld id="{C5A1090E-FCA0-4567-BB54-71A3C1AE2B43}" type="slidenum">
+            <a:fld id="{FD927EBE-02FE-49F6-82BC-28438A1747DE}" type="slidenum">
               <a:rPr lang="zh-CN" altLang="en-US" smtClean="0"/>
               <a:t>‹#›</a:t>
             </a:fld>
@@ -921,7 +921,7 @@
     </p:spTree>
     <p:extLst>
       <p:ext uri="{BB962C8B-B14F-4D97-AF65-F5344CB8AC3E}">
-        <p14:creationId xmlns:p14="http://schemas.microsoft.com/office/powerpoint/2010/main" val="1988297658"/>
+        <p14:creationId xmlns:p14="http://schemas.microsoft.com/office/powerpoint/2010/main" val="3791640138"/>
       </p:ext>
     </p:extLst>
   </p:cSld>
@@ -953,7 +953,7 @@
           <p:cNvPr id="2" name="标题 1">
             <a:extLst>
               <a:ext uri="{FF2B5EF4-FFF2-40B4-BE49-F238E27FC236}">
-                <a16:creationId xmlns:a16="http://schemas.microsoft.com/office/drawing/2014/main" id="{18F01FD2-82BE-D762-546C-4B8902AC649D}"/>
+                <a16:creationId xmlns:a16="http://schemas.microsoft.com/office/drawing/2014/main" id="{B1D33AD3-E3D6-8D8A-6419-986CEE6EC6FF}"/>
               </a:ext>
             </a:extLst>
           </p:cNvPr>
@@ -990,7 +990,7 @@
           <p:cNvPr id="3" name="文本占位符 2">
             <a:extLst>
               <a:ext uri="{FF2B5EF4-FFF2-40B4-BE49-F238E27FC236}">
-                <a16:creationId xmlns:a16="http://schemas.microsoft.com/office/drawing/2014/main" id="{363E34AC-33B1-7CC5-EF67-B4A3D94A421D}"/>
+                <a16:creationId xmlns:a16="http://schemas.microsoft.com/office/drawing/2014/main" id="{D43B694F-E92C-BD9B-AEB8-99D4AE165B2E}"/>
               </a:ext>
             </a:extLst>
           </p:cNvPr>
@@ -1115,7 +1115,7 @@
           <p:cNvPr id="4" name="日期占位符 3">
             <a:extLst>
               <a:ext uri="{FF2B5EF4-FFF2-40B4-BE49-F238E27FC236}">
-                <a16:creationId xmlns:a16="http://schemas.microsoft.com/office/drawing/2014/main" id="{19F9DC73-7940-56E6-BCC7-09B10961EDFF}"/>
+                <a16:creationId xmlns:a16="http://schemas.microsoft.com/office/drawing/2014/main" id="{76C82B88-64F1-8999-3288-2E1AEC8BD13B}"/>
               </a:ext>
             </a:extLst>
           </p:cNvPr>
@@ -1131,7 +1131,7 @@
           <a:bodyPr/>
           <a:lstStyle/>
           <a:p>
-            <a:fld id="{5284A2DC-E13B-4B3A-A795-17E8622B7385}" type="datetimeFigureOut">
+            <a:fld id="{F7D5B300-B835-4F2C-8863-9CD74381E740}" type="datetimeFigureOut">
               <a:rPr lang="zh-CN" altLang="en-US" smtClean="0"/>
               <a:t>2024/3/10</a:t>
             </a:fld>
@@ -1144,7 +1144,7 @@
           <p:cNvPr id="5" name="页脚占位符 4">
             <a:extLst>
               <a:ext uri="{FF2B5EF4-FFF2-40B4-BE49-F238E27FC236}">
-                <a16:creationId xmlns:a16="http://schemas.microsoft.com/office/drawing/2014/main" id="{A11D2DEE-CED4-E69D-8464-095DE380F5E9}"/>
+                <a16:creationId xmlns:a16="http://schemas.microsoft.com/office/drawing/2014/main" id="{D61A276A-82FB-C6E8-885A-0A5C10D805DC}"/>
               </a:ext>
             </a:extLst>
           </p:cNvPr>
@@ -1169,7 +1169,7 @@
           <p:cNvPr id="6" name="灯片编号占位符 5">
             <a:extLst>
               <a:ext uri="{FF2B5EF4-FFF2-40B4-BE49-F238E27FC236}">
-                <a16:creationId xmlns:a16="http://schemas.microsoft.com/office/drawing/2014/main" id="{A78A82D2-C574-4F58-F23B-D2435EF56A6A}"/>
+                <a16:creationId xmlns:a16="http://schemas.microsoft.com/office/drawing/2014/main" id="{600110AC-CD6F-B0B0-D14D-A8B84F8F9B05}"/>
               </a:ext>
             </a:extLst>
           </p:cNvPr>
@@ -1185,7 +1185,7 @@
           <a:bodyPr/>
           <a:lstStyle/>
           <a:p>
-            <a:fld id="{C5A1090E-FCA0-4567-BB54-71A3C1AE2B43}" type="slidenum">
+            <a:fld id="{FD927EBE-02FE-49F6-82BC-28438A1747DE}" type="slidenum">
               <a:rPr lang="zh-CN" altLang="en-US" smtClean="0"/>
               <a:t>‹#›</a:t>
             </a:fld>
@@ -1196,7 +1196,7 @@
     </p:spTree>
     <p:extLst>
       <p:ext uri="{BB962C8B-B14F-4D97-AF65-F5344CB8AC3E}">
-        <p14:creationId xmlns:p14="http://schemas.microsoft.com/office/powerpoint/2010/main" val="789174627"/>
+        <p14:creationId xmlns:p14="http://schemas.microsoft.com/office/powerpoint/2010/main" val="1621956673"/>
       </p:ext>
     </p:extLst>
   </p:cSld>
@@ -1228,7 +1228,7 @@
           <p:cNvPr id="2" name="标题 1">
             <a:extLst>
               <a:ext uri="{FF2B5EF4-FFF2-40B4-BE49-F238E27FC236}">
-                <a16:creationId xmlns:a16="http://schemas.microsoft.com/office/drawing/2014/main" id="{9B1A9500-37A3-23ED-6BC6-0EF3C8FF6C4A}"/>
+                <a16:creationId xmlns:a16="http://schemas.microsoft.com/office/drawing/2014/main" id="{771DD31F-3E63-06E3-6EE1-ECDDC0C2062A}"/>
               </a:ext>
             </a:extLst>
           </p:cNvPr>
@@ -1256,7 +1256,7 @@
           <p:cNvPr id="3" name="内容占位符 2">
             <a:extLst>
               <a:ext uri="{FF2B5EF4-FFF2-40B4-BE49-F238E27FC236}">
-                <a16:creationId xmlns:a16="http://schemas.microsoft.com/office/drawing/2014/main" id="{F7899ECA-6EFC-9333-E8A1-F8D429657B05}"/>
+                <a16:creationId xmlns:a16="http://schemas.microsoft.com/office/drawing/2014/main" id="{F2157A33-F046-D7CF-01E2-59FD1C939930}"/>
               </a:ext>
             </a:extLst>
           </p:cNvPr>
@@ -1318,7 +1318,7 @@
           <p:cNvPr id="4" name="内容占位符 3">
             <a:extLst>
               <a:ext uri="{FF2B5EF4-FFF2-40B4-BE49-F238E27FC236}">
-                <a16:creationId xmlns:a16="http://schemas.microsoft.com/office/drawing/2014/main" id="{EF71D3A5-DF10-2D97-B864-7F60412FE891}"/>
+                <a16:creationId xmlns:a16="http://schemas.microsoft.com/office/drawing/2014/main" id="{14DB13FC-F36F-A21E-60CF-978DC9620D98}"/>
               </a:ext>
             </a:extLst>
           </p:cNvPr>
@@ -1380,7 +1380,7 @@
           <p:cNvPr id="5" name="日期占位符 4">
             <a:extLst>
               <a:ext uri="{FF2B5EF4-FFF2-40B4-BE49-F238E27FC236}">
-                <a16:creationId xmlns:a16="http://schemas.microsoft.com/office/drawing/2014/main" id="{FA7A7756-A7DC-B4F8-40E4-06CA5D48DFDB}"/>
+                <a16:creationId xmlns:a16="http://schemas.microsoft.com/office/drawing/2014/main" id="{A2E738BD-E4E4-86C3-C5FE-8AF4F1AD7770}"/>
               </a:ext>
             </a:extLst>
           </p:cNvPr>
@@ -1396,7 +1396,7 @@
           <a:bodyPr/>
           <a:lstStyle/>
           <a:p>
-            <a:fld id="{5284A2DC-E13B-4B3A-A795-17E8622B7385}" type="datetimeFigureOut">
+            <a:fld id="{F7D5B300-B835-4F2C-8863-9CD74381E740}" type="datetimeFigureOut">
               <a:rPr lang="zh-CN" altLang="en-US" smtClean="0"/>
               <a:t>2024/3/10</a:t>
             </a:fld>
@@ -1409,7 +1409,7 @@
           <p:cNvPr id="6" name="页脚占位符 5">
             <a:extLst>
               <a:ext uri="{FF2B5EF4-FFF2-40B4-BE49-F238E27FC236}">
-                <a16:creationId xmlns:a16="http://schemas.microsoft.com/office/drawing/2014/main" id="{9E2F663B-159D-4AF0-96D2-A80D4C28D64B}"/>
+                <a16:creationId xmlns:a16="http://schemas.microsoft.com/office/drawing/2014/main" id="{2ABE13D5-5843-C485-1A5C-3EF3355F781E}"/>
               </a:ext>
             </a:extLst>
           </p:cNvPr>
@@ -1434,7 +1434,7 @@
           <p:cNvPr id="7" name="灯片编号占位符 6">
             <a:extLst>
               <a:ext uri="{FF2B5EF4-FFF2-40B4-BE49-F238E27FC236}">
-                <a16:creationId xmlns:a16="http://schemas.microsoft.com/office/drawing/2014/main" id="{078D2989-7902-3F0D-208E-54EDDD21D9BE}"/>
+                <a16:creationId xmlns:a16="http://schemas.microsoft.com/office/drawing/2014/main" id="{455126E6-67C7-55F3-86BD-6058FA6A7852}"/>
               </a:ext>
             </a:extLst>
           </p:cNvPr>
@@ -1450,7 +1450,7 @@
           <a:bodyPr/>
           <a:lstStyle/>
           <a:p>
-            <a:fld id="{C5A1090E-FCA0-4567-BB54-71A3C1AE2B43}" type="slidenum">
+            <a:fld id="{FD927EBE-02FE-49F6-82BC-28438A1747DE}" type="slidenum">
               <a:rPr lang="zh-CN" altLang="en-US" smtClean="0"/>
               <a:t>‹#›</a:t>
             </a:fld>
@@ -1461,7 +1461,7 @@
     </p:spTree>
     <p:extLst>
       <p:ext uri="{BB962C8B-B14F-4D97-AF65-F5344CB8AC3E}">
-        <p14:creationId xmlns:p14="http://schemas.microsoft.com/office/powerpoint/2010/main" val="1883770851"/>
+        <p14:creationId xmlns:p14="http://schemas.microsoft.com/office/powerpoint/2010/main" val="2959781923"/>
       </p:ext>
     </p:extLst>
   </p:cSld>
@@ -1493,7 +1493,7 @@
           <p:cNvPr id="2" name="标题 1">
             <a:extLst>
               <a:ext uri="{FF2B5EF4-FFF2-40B4-BE49-F238E27FC236}">
-                <a16:creationId xmlns:a16="http://schemas.microsoft.com/office/drawing/2014/main" id="{696B2BA3-42DE-E801-CCF8-F6BA9FCCD9F3}"/>
+                <a16:creationId xmlns:a16="http://schemas.microsoft.com/office/drawing/2014/main" id="{99D5FE27-D221-A7AE-781D-D9E70C9A6583}"/>
               </a:ext>
             </a:extLst>
           </p:cNvPr>
@@ -1526,7 +1526,7 @@
           <p:cNvPr id="3" name="文本占位符 2">
             <a:extLst>
               <a:ext uri="{FF2B5EF4-FFF2-40B4-BE49-F238E27FC236}">
-                <a16:creationId xmlns:a16="http://schemas.microsoft.com/office/drawing/2014/main" id="{30528D72-3984-FAC6-A010-F3C261D31CF3}"/>
+                <a16:creationId xmlns:a16="http://schemas.microsoft.com/office/drawing/2014/main" id="{9DF976B9-B1D9-61F8-03B2-33D27F1C6C97}"/>
               </a:ext>
             </a:extLst>
           </p:cNvPr>
@@ -1597,7 +1597,7 @@
           <p:cNvPr id="4" name="内容占位符 3">
             <a:extLst>
               <a:ext uri="{FF2B5EF4-FFF2-40B4-BE49-F238E27FC236}">
-                <a16:creationId xmlns:a16="http://schemas.microsoft.com/office/drawing/2014/main" id="{8B084CFF-3B51-D5B6-FD9A-70CF1A4DF86A}"/>
+                <a16:creationId xmlns:a16="http://schemas.microsoft.com/office/drawing/2014/main" id="{2F8503A1-8AF1-F3F7-3577-ED01F7ECFFB9}"/>
               </a:ext>
             </a:extLst>
           </p:cNvPr>
@@ -1659,7 +1659,7 @@
           <p:cNvPr id="5" name="文本占位符 4">
             <a:extLst>
               <a:ext uri="{FF2B5EF4-FFF2-40B4-BE49-F238E27FC236}">
-                <a16:creationId xmlns:a16="http://schemas.microsoft.com/office/drawing/2014/main" id="{247F4C46-650B-BC23-039A-0C4CAB72645E}"/>
+                <a16:creationId xmlns:a16="http://schemas.microsoft.com/office/drawing/2014/main" id="{6CD90065-F727-009D-C879-7408E31A6FE3}"/>
               </a:ext>
             </a:extLst>
           </p:cNvPr>
@@ -1730,7 +1730,7 @@
           <p:cNvPr id="6" name="内容占位符 5">
             <a:extLst>
               <a:ext uri="{FF2B5EF4-FFF2-40B4-BE49-F238E27FC236}">
-                <a16:creationId xmlns:a16="http://schemas.microsoft.com/office/drawing/2014/main" id="{CDB02A9E-AD30-F1FF-324C-48276726ED4C}"/>
+                <a16:creationId xmlns:a16="http://schemas.microsoft.com/office/drawing/2014/main" id="{B06836B8-13C7-601A-C6FC-8306BB8D5463}"/>
               </a:ext>
             </a:extLst>
           </p:cNvPr>
@@ -1792,7 +1792,7 @@
           <p:cNvPr id="7" name="日期占位符 6">
             <a:extLst>
               <a:ext uri="{FF2B5EF4-FFF2-40B4-BE49-F238E27FC236}">
-                <a16:creationId xmlns:a16="http://schemas.microsoft.com/office/drawing/2014/main" id="{676BC080-FECF-2517-2FD2-5F4151AED4E9}"/>
+                <a16:creationId xmlns:a16="http://schemas.microsoft.com/office/drawing/2014/main" id="{D14FEC44-04EB-28C1-F743-603C506DC53B}"/>
               </a:ext>
             </a:extLst>
           </p:cNvPr>
@@ -1808,7 +1808,7 @@
           <a:bodyPr/>
           <a:lstStyle/>
           <a:p>
-            <a:fld id="{5284A2DC-E13B-4B3A-A795-17E8622B7385}" type="datetimeFigureOut">
+            <a:fld id="{F7D5B300-B835-4F2C-8863-9CD74381E740}" type="datetimeFigureOut">
               <a:rPr lang="zh-CN" altLang="en-US" smtClean="0"/>
               <a:t>2024/3/10</a:t>
             </a:fld>
@@ -1821,7 +1821,7 @@
           <p:cNvPr id="8" name="页脚占位符 7">
             <a:extLst>
               <a:ext uri="{FF2B5EF4-FFF2-40B4-BE49-F238E27FC236}">
-                <a16:creationId xmlns:a16="http://schemas.microsoft.com/office/drawing/2014/main" id="{15F63C54-8CD1-EE83-C279-E0B14A1B065B}"/>
+                <a16:creationId xmlns:a16="http://schemas.microsoft.com/office/drawing/2014/main" id="{ABA77628-4287-73C9-A983-90223F59B8F3}"/>
               </a:ext>
             </a:extLst>
           </p:cNvPr>
@@ -1846,7 +1846,7 @@
           <p:cNvPr id="9" name="灯片编号占位符 8">
             <a:extLst>
               <a:ext uri="{FF2B5EF4-FFF2-40B4-BE49-F238E27FC236}">
-                <a16:creationId xmlns:a16="http://schemas.microsoft.com/office/drawing/2014/main" id="{AFB84926-2AD6-1F07-01CD-F2C8C01118CB}"/>
+                <a16:creationId xmlns:a16="http://schemas.microsoft.com/office/drawing/2014/main" id="{F2C9552A-6826-0F8E-3601-D0FD79769346}"/>
               </a:ext>
             </a:extLst>
           </p:cNvPr>
@@ -1862,7 +1862,7 @@
           <a:bodyPr/>
           <a:lstStyle/>
           <a:p>
-            <a:fld id="{C5A1090E-FCA0-4567-BB54-71A3C1AE2B43}" type="slidenum">
+            <a:fld id="{FD927EBE-02FE-49F6-82BC-28438A1747DE}" type="slidenum">
               <a:rPr lang="zh-CN" altLang="en-US" smtClean="0"/>
               <a:t>‹#›</a:t>
             </a:fld>
@@ -1873,7 +1873,7 @@
     </p:spTree>
     <p:extLst>
       <p:ext uri="{BB962C8B-B14F-4D97-AF65-F5344CB8AC3E}">
-        <p14:creationId xmlns:p14="http://schemas.microsoft.com/office/powerpoint/2010/main" val="3816691172"/>
+        <p14:creationId xmlns:p14="http://schemas.microsoft.com/office/powerpoint/2010/main" val="667331325"/>
       </p:ext>
     </p:extLst>
   </p:cSld>
@@ -1905,7 +1905,7 @@
           <p:cNvPr id="2" name="标题 1">
             <a:extLst>
               <a:ext uri="{FF2B5EF4-FFF2-40B4-BE49-F238E27FC236}">
-                <a16:creationId xmlns:a16="http://schemas.microsoft.com/office/drawing/2014/main" id="{6B352564-C0BA-51A6-CB63-E6695D299B59}"/>
+                <a16:creationId xmlns:a16="http://schemas.microsoft.com/office/drawing/2014/main" id="{908D80AB-4BA2-0375-FDBD-F27C684F8354}"/>
               </a:ext>
             </a:extLst>
           </p:cNvPr>
@@ -1933,7 +1933,7 @@
           <p:cNvPr id="3" name="日期占位符 2">
             <a:extLst>
               <a:ext uri="{FF2B5EF4-FFF2-40B4-BE49-F238E27FC236}">
-                <a16:creationId xmlns:a16="http://schemas.microsoft.com/office/drawing/2014/main" id="{CF36FC74-5DE6-B208-1599-7601C497D975}"/>
+                <a16:creationId xmlns:a16="http://schemas.microsoft.com/office/drawing/2014/main" id="{735B2CC0-B736-CF58-FE87-C359CAB9D057}"/>
               </a:ext>
             </a:extLst>
           </p:cNvPr>
@@ -1949,7 +1949,7 @@
           <a:bodyPr/>
           <a:lstStyle/>
           <a:p>
-            <a:fld id="{5284A2DC-E13B-4B3A-A795-17E8622B7385}" type="datetimeFigureOut">
+            <a:fld id="{F7D5B300-B835-4F2C-8863-9CD74381E740}" type="datetimeFigureOut">
               <a:rPr lang="zh-CN" altLang="en-US" smtClean="0"/>
               <a:t>2024/3/10</a:t>
             </a:fld>
@@ -1962,7 +1962,7 @@
           <p:cNvPr id="4" name="页脚占位符 3">
             <a:extLst>
               <a:ext uri="{FF2B5EF4-FFF2-40B4-BE49-F238E27FC236}">
-                <a16:creationId xmlns:a16="http://schemas.microsoft.com/office/drawing/2014/main" id="{60525575-F022-9033-123B-0B635C088B54}"/>
+                <a16:creationId xmlns:a16="http://schemas.microsoft.com/office/drawing/2014/main" id="{63DF52CD-3E10-14FD-7FE3-3CDACCBC10F5}"/>
               </a:ext>
             </a:extLst>
           </p:cNvPr>
@@ -1987,7 +1987,7 @@
           <p:cNvPr id="5" name="灯片编号占位符 4">
             <a:extLst>
               <a:ext uri="{FF2B5EF4-FFF2-40B4-BE49-F238E27FC236}">
-                <a16:creationId xmlns:a16="http://schemas.microsoft.com/office/drawing/2014/main" id="{6C60F1B5-B941-D9DE-5C1F-60F9CC2D49FA}"/>
+                <a16:creationId xmlns:a16="http://schemas.microsoft.com/office/drawing/2014/main" id="{CA581063-46BE-021B-11F9-C5C790CD7C72}"/>
               </a:ext>
             </a:extLst>
           </p:cNvPr>
@@ -2003,7 +2003,7 @@
           <a:bodyPr/>
           <a:lstStyle/>
           <a:p>
-            <a:fld id="{C5A1090E-FCA0-4567-BB54-71A3C1AE2B43}" type="slidenum">
+            <a:fld id="{FD927EBE-02FE-49F6-82BC-28438A1747DE}" type="slidenum">
               <a:rPr lang="zh-CN" altLang="en-US" smtClean="0"/>
               <a:t>‹#›</a:t>
             </a:fld>
@@ -2014,7 +2014,7 @@
     </p:spTree>
     <p:extLst>
       <p:ext uri="{BB962C8B-B14F-4D97-AF65-F5344CB8AC3E}">
-        <p14:creationId xmlns:p14="http://schemas.microsoft.com/office/powerpoint/2010/main" val="1877187542"/>
+        <p14:creationId xmlns:p14="http://schemas.microsoft.com/office/powerpoint/2010/main" val="1170450569"/>
       </p:ext>
     </p:extLst>
   </p:cSld>
@@ -2046,7 +2046,7 @@
           <p:cNvPr id="2" name="日期占位符 1">
             <a:extLst>
               <a:ext uri="{FF2B5EF4-FFF2-40B4-BE49-F238E27FC236}">
-                <a16:creationId xmlns:a16="http://schemas.microsoft.com/office/drawing/2014/main" id="{D360F14C-107A-3BD4-7C1B-FE1572694FCF}"/>
+                <a16:creationId xmlns:a16="http://schemas.microsoft.com/office/drawing/2014/main" id="{211E40DF-9FA1-BB35-CCB6-219DFEAEF345}"/>
               </a:ext>
             </a:extLst>
           </p:cNvPr>
@@ -2062,7 +2062,7 @@
           <a:bodyPr/>
           <a:lstStyle/>
           <a:p>
-            <a:fld id="{5284A2DC-E13B-4B3A-A795-17E8622B7385}" type="datetimeFigureOut">
+            <a:fld id="{F7D5B300-B835-4F2C-8863-9CD74381E740}" type="datetimeFigureOut">
               <a:rPr lang="zh-CN" altLang="en-US" smtClean="0"/>
               <a:t>2024/3/10</a:t>
             </a:fld>
@@ -2075,7 +2075,7 @@
           <p:cNvPr id="3" name="页脚占位符 2">
             <a:extLst>
               <a:ext uri="{FF2B5EF4-FFF2-40B4-BE49-F238E27FC236}">
-                <a16:creationId xmlns:a16="http://schemas.microsoft.com/office/drawing/2014/main" id="{B28D6638-3320-81AB-398A-CD698A578204}"/>
+                <a16:creationId xmlns:a16="http://schemas.microsoft.com/office/drawing/2014/main" id="{926A9DA3-0537-E60B-45C5-E17E2BC04124}"/>
               </a:ext>
             </a:extLst>
           </p:cNvPr>
@@ -2100,7 +2100,7 @@
           <p:cNvPr id="4" name="灯片编号占位符 3">
             <a:extLst>
               <a:ext uri="{FF2B5EF4-FFF2-40B4-BE49-F238E27FC236}">
-                <a16:creationId xmlns:a16="http://schemas.microsoft.com/office/drawing/2014/main" id="{4C8F432C-1BB8-F9EC-0087-91215EFEED1D}"/>
+                <a16:creationId xmlns:a16="http://schemas.microsoft.com/office/drawing/2014/main" id="{F29EC3D8-7B6C-E355-1587-23E9E5EA99F7}"/>
               </a:ext>
             </a:extLst>
           </p:cNvPr>
@@ -2116,7 +2116,7 @@
           <a:bodyPr/>
           <a:lstStyle/>
           <a:p>
-            <a:fld id="{C5A1090E-FCA0-4567-BB54-71A3C1AE2B43}" type="slidenum">
+            <a:fld id="{FD927EBE-02FE-49F6-82BC-28438A1747DE}" type="slidenum">
               <a:rPr lang="zh-CN" altLang="en-US" smtClean="0"/>
               <a:t>‹#›</a:t>
             </a:fld>
@@ -2127,7 +2127,7 @@
     </p:spTree>
     <p:extLst>
       <p:ext uri="{BB962C8B-B14F-4D97-AF65-F5344CB8AC3E}">
-        <p14:creationId xmlns:p14="http://schemas.microsoft.com/office/powerpoint/2010/main" val="3675479890"/>
+        <p14:creationId xmlns:p14="http://schemas.microsoft.com/office/powerpoint/2010/main" val="551772159"/>
       </p:ext>
     </p:extLst>
   </p:cSld>
@@ -2159,7 +2159,7 @@
           <p:cNvPr id="2" name="标题 1">
             <a:extLst>
               <a:ext uri="{FF2B5EF4-FFF2-40B4-BE49-F238E27FC236}">
-                <a16:creationId xmlns:a16="http://schemas.microsoft.com/office/drawing/2014/main" id="{4371531A-34DA-D097-3554-0C583BFA50E3}"/>
+                <a16:creationId xmlns:a16="http://schemas.microsoft.com/office/drawing/2014/main" id="{D4C4D4C5-CF3E-575F-DE32-81416F457CB3}"/>
               </a:ext>
             </a:extLst>
           </p:cNvPr>
@@ -2196,7 +2196,7 @@
           <p:cNvPr id="3" name="内容占位符 2">
             <a:extLst>
               <a:ext uri="{FF2B5EF4-FFF2-40B4-BE49-F238E27FC236}">
-                <a16:creationId xmlns:a16="http://schemas.microsoft.com/office/drawing/2014/main" id="{C6AED912-E71B-1447-C33B-F648143E5C13}"/>
+                <a16:creationId xmlns:a16="http://schemas.microsoft.com/office/drawing/2014/main" id="{B822371E-C476-FA53-1A94-640566941715}"/>
               </a:ext>
             </a:extLst>
           </p:cNvPr>
@@ -2286,7 +2286,7 @@
           <p:cNvPr id="4" name="文本占位符 3">
             <a:extLst>
               <a:ext uri="{FF2B5EF4-FFF2-40B4-BE49-F238E27FC236}">
-                <a16:creationId xmlns:a16="http://schemas.microsoft.com/office/drawing/2014/main" id="{5ABF444E-B825-B776-9954-3CBACDF2E978}"/>
+                <a16:creationId xmlns:a16="http://schemas.microsoft.com/office/drawing/2014/main" id="{F3A5328A-0E5F-0D75-36CF-7676FC489807}"/>
               </a:ext>
             </a:extLst>
           </p:cNvPr>
@@ -2357,7 +2357,7 @@
           <p:cNvPr id="5" name="日期占位符 4">
             <a:extLst>
               <a:ext uri="{FF2B5EF4-FFF2-40B4-BE49-F238E27FC236}">
-                <a16:creationId xmlns:a16="http://schemas.microsoft.com/office/drawing/2014/main" id="{C6E5D0E7-AB54-CFA7-4518-722EB95B6C68}"/>
+                <a16:creationId xmlns:a16="http://schemas.microsoft.com/office/drawing/2014/main" id="{87D260F0-944F-CB5C-9B89-33C938753665}"/>
               </a:ext>
             </a:extLst>
           </p:cNvPr>
@@ -2373,7 +2373,7 @@
           <a:bodyPr/>
           <a:lstStyle/>
           <a:p>
-            <a:fld id="{5284A2DC-E13B-4B3A-A795-17E8622B7385}" type="datetimeFigureOut">
+            <a:fld id="{F7D5B300-B835-4F2C-8863-9CD74381E740}" type="datetimeFigureOut">
               <a:rPr lang="zh-CN" altLang="en-US" smtClean="0"/>
               <a:t>2024/3/10</a:t>
             </a:fld>
@@ -2386,7 +2386,7 @@
           <p:cNvPr id="6" name="页脚占位符 5">
             <a:extLst>
               <a:ext uri="{FF2B5EF4-FFF2-40B4-BE49-F238E27FC236}">
-                <a16:creationId xmlns:a16="http://schemas.microsoft.com/office/drawing/2014/main" id="{6BA0550D-7669-BE67-DF65-C11B1868F3DB}"/>
+                <a16:creationId xmlns:a16="http://schemas.microsoft.com/office/drawing/2014/main" id="{2CEB52EA-041B-4B99-7D2B-9C8EA511350B}"/>
               </a:ext>
             </a:extLst>
           </p:cNvPr>
@@ -2411,7 +2411,7 @@
           <p:cNvPr id="7" name="灯片编号占位符 6">
             <a:extLst>
               <a:ext uri="{FF2B5EF4-FFF2-40B4-BE49-F238E27FC236}">
-                <a16:creationId xmlns:a16="http://schemas.microsoft.com/office/drawing/2014/main" id="{4C5BE622-EF1D-52D2-FE92-2744473DE691}"/>
+                <a16:creationId xmlns:a16="http://schemas.microsoft.com/office/drawing/2014/main" id="{A774D534-98BD-D2B2-5B17-A728E9C07E7C}"/>
               </a:ext>
             </a:extLst>
           </p:cNvPr>
@@ -2427,7 +2427,7 @@
           <a:bodyPr/>
           <a:lstStyle/>
           <a:p>
-            <a:fld id="{C5A1090E-FCA0-4567-BB54-71A3C1AE2B43}" type="slidenum">
+            <a:fld id="{FD927EBE-02FE-49F6-82BC-28438A1747DE}" type="slidenum">
               <a:rPr lang="zh-CN" altLang="en-US" smtClean="0"/>
               <a:t>‹#›</a:t>
             </a:fld>
@@ -2438,7 +2438,7 @@
     </p:spTree>
     <p:extLst>
       <p:ext uri="{BB962C8B-B14F-4D97-AF65-F5344CB8AC3E}">
-        <p14:creationId xmlns:p14="http://schemas.microsoft.com/office/powerpoint/2010/main" val="244243873"/>
+        <p14:creationId xmlns:p14="http://schemas.microsoft.com/office/powerpoint/2010/main" val="1387444341"/>
       </p:ext>
     </p:extLst>
   </p:cSld>
@@ -2470,7 +2470,7 @@
           <p:cNvPr id="2" name="标题 1">
             <a:extLst>
               <a:ext uri="{FF2B5EF4-FFF2-40B4-BE49-F238E27FC236}">
-                <a16:creationId xmlns:a16="http://schemas.microsoft.com/office/drawing/2014/main" id="{3D7D8B43-B2D3-F10C-725A-4759292F7C89}"/>
+                <a16:creationId xmlns:a16="http://schemas.microsoft.com/office/drawing/2014/main" id="{D29D0421-336D-E84E-1E36-DA6099BF2ED1}"/>
               </a:ext>
             </a:extLst>
           </p:cNvPr>
@@ -2507,7 +2507,7 @@
           <p:cNvPr id="3" name="图片占位符 2">
             <a:extLst>
               <a:ext uri="{FF2B5EF4-FFF2-40B4-BE49-F238E27FC236}">
-                <a16:creationId xmlns:a16="http://schemas.microsoft.com/office/drawing/2014/main" id="{EC767123-9745-2113-4C9D-2C859EB69E3A}"/>
+                <a16:creationId xmlns:a16="http://schemas.microsoft.com/office/drawing/2014/main" id="{E4D043CB-B983-12EF-1DDC-49507F2CA64A}"/>
               </a:ext>
             </a:extLst>
           </p:cNvPr>
@@ -2574,7 +2574,7 @@
           <p:cNvPr id="4" name="文本占位符 3">
             <a:extLst>
               <a:ext uri="{FF2B5EF4-FFF2-40B4-BE49-F238E27FC236}">
-                <a16:creationId xmlns:a16="http://schemas.microsoft.com/office/drawing/2014/main" id="{C9A248CE-5E7D-A6E9-8C19-F646BC653137}"/>
+                <a16:creationId xmlns:a16="http://schemas.microsoft.com/office/drawing/2014/main" id="{316F26BB-E92F-9155-21E1-13CE18CA0C80}"/>
               </a:ext>
             </a:extLst>
           </p:cNvPr>
@@ -2645,7 +2645,7 @@
           <p:cNvPr id="5" name="日期占位符 4">
             <a:extLst>
               <a:ext uri="{FF2B5EF4-FFF2-40B4-BE49-F238E27FC236}">
-                <a16:creationId xmlns:a16="http://schemas.microsoft.com/office/drawing/2014/main" id="{8F8FB678-81AF-336B-6390-8791D079B7DC}"/>
+                <a16:creationId xmlns:a16="http://schemas.microsoft.com/office/drawing/2014/main" id="{E39DECD5-04DA-705F-7273-62C5ED5638AB}"/>
               </a:ext>
             </a:extLst>
           </p:cNvPr>
@@ -2661,7 +2661,7 @@
           <a:bodyPr/>
           <a:lstStyle/>
           <a:p>
-            <a:fld id="{5284A2DC-E13B-4B3A-A795-17E8622B7385}" type="datetimeFigureOut">
+            <a:fld id="{F7D5B300-B835-4F2C-8863-9CD74381E740}" type="datetimeFigureOut">
               <a:rPr lang="zh-CN" altLang="en-US" smtClean="0"/>
               <a:t>2024/3/10</a:t>
             </a:fld>
@@ -2674,7 +2674,7 @@
           <p:cNvPr id="6" name="页脚占位符 5">
             <a:extLst>
               <a:ext uri="{FF2B5EF4-FFF2-40B4-BE49-F238E27FC236}">
-                <a16:creationId xmlns:a16="http://schemas.microsoft.com/office/drawing/2014/main" id="{759064AF-C360-CD3F-1A71-2CB84B3CE5B0}"/>
+                <a16:creationId xmlns:a16="http://schemas.microsoft.com/office/drawing/2014/main" id="{0242B9EE-83BB-1050-9603-EC2D46987910}"/>
               </a:ext>
             </a:extLst>
           </p:cNvPr>
@@ -2699,7 +2699,7 @@
           <p:cNvPr id="7" name="灯片编号占位符 6">
             <a:extLst>
               <a:ext uri="{FF2B5EF4-FFF2-40B4-BE49-F238E27FC236}">
-                <a16:creationId xmlns:a16="http://schemas.microsoft.com/office/drawing/2014/main" id="{4BADA5BA-3F78-6FFA-BD82-BCECB093C431}"/>
+                <a16:creationId xmlns:a16="http://schemas.microsoft.com/office/drawing/2014/main" id="{5E9A5D3B-6240-F31D-0B3A-0459E2DAE5F0}"/>
               </a:ext>
             </a:extLst>
           </p:cNvPr>
@@ -2715,7 +2715,7 @@
           <a:bodyPr/>
           <a:lstStyle/>
           <a:p>
-            <a:fld id="{C5A1090E-FCA0-4567-BB54-71A3C1AE2B43}" type="slidenum">
+            <a:fld id="{FD927EBE-02FE-49F6-82BC-28438A1747DE}" type="slidenum">
               <a:rPr lang="zh-CN" altLang="en-US" smtClean="0"/>
               <a:t>‹#›</a:t>
             </a:fld>
@@ -2726,7 +2726,7 @@
     </p:spTree>
     <p:extLst>
       <p:ext uri="{BB962C8B-B14F-4D97-AF65-F5344CB8AC3E}">
-        <p14:creationId xmlns:p14="http://schemas.microsoft.com/office/powerpoint/2010/main" val="1054760609"/>
+        <p14:creationId xmlns:p14="http://schemas.microsoft.com/office/powerpoint/2010/main" val="2506231712"/>
       </p:ext>
     </p:extLst>
   </p:cSld>
@@ -2763,7 +2763,7 @@
           <p:cNvPr id="2" name="标题占位符 1">
             <a:extLst>
               <a:ext uri="{FF2B5EF4-FFF2-40B4-BE49-F238E27FC236}">
-                <a16:creationId xmlns:a16="http://schemas.microsoft.com/office/drawing/2014/main" id="{5D685DD7-F712-9C5E-A1D1-D67848208138}"/>
+                <a16:creationId xmlns:a16="http://schemas.microsoft.com/office/drawing/2014/main" id="{3DB7C1DE-5149-D48E-08CC-8C0E3666045B}"/>
               </a:ext>
             </a:extLst>
           </p:cNvPr>
@@ -2801,7 +2801,7 @@
           <p:cNvPr id="3" name="文本占位符 2">
             <a:extLst>
               <a:ext uri="{FF2B5EF4-FFF2-40B4-BE49-F238E27FC236}">
-                <a16:creationId xmlns:a16="http://schemas.microsoft.com/office/drawing/2014/main" id="{D449FD08-D22C-C784-8358-BC889CE2993C}"/>
+                <a16:creationId xmlns:a16="http://schemas.microsoft.com/office/drawing/2014/main" id="{B38E0530-C205-6729-F21E-59F273F0FF17}"/>
               </a:ext>
             </a:extLst>
           </p:cNvPr>
@@ -2868,7 +2868,7 @@
           <p:cNvPr id="4" name="日期占位符 3">
             <a:extLst>
               <a:ext uri="{FF2B5EF4-FFF2-40B4-BE49-F238E27FC236}">
-                <a16:creationId xmlns:a16="http://schemas.microsoft.com/office/drawing/2014/main" id="{76FE893C-8CEF-A836-09B4-AC7159C5B8F3}"/>
+                <a16:creationId xmlns:a16="http://schemas.microsoft.com/office/drawing/2014/main" id="{9016DA8C-0E99-2D75-E00C-D0B2938EFC3D}"/>
               </a:ext>
             </a:extLst>
           </p:cNvPr>
@@ -2902,7 +2902,7 @@
             </a:lvl1pPr>
           </a:lstStyle>
           <a:p>
-            <a:fld id="{5284A2DC-E13B-4B3A-A795-17E8622B7385}" type="datetimeFigureOut">
+            <a:fld id="{F7D5B300-B835-4F2C-8863-9CD74381E740}" type="datetimeFigureOut">
               <a:rPr lang="zh-CN" altLang="en-US" smtClean="0"/>
               <a:t>2024/3/10</a:t>
             </a:fld>
@@ -2915,7 +2915,7 @@
           <p:cNvPr id="5" name="页脚占位符 4">
             <a:extLst>
               <a:ext uri="{FF2B5EF4-FFF2-40B4-BE49-F238E27FC236}">
-                <a16:creationId xmlns:a16="http://schemas.microsoft.com/office/drawing/2014/main" id="{D3C7B0FA-4D46-6A8E-D267-C893B2014659}"/>
+                <a16:creationId xmlns:a16="http://schemas.microsoft.com/office/drawing/2014/main" id="{DDD9CA38-1933-9130-1A31-A3C180AAB344}"/>
               </a:ext>
             </a:extLst>
           </p:cNvPr>
@@ -2958,7 +2958,7 @@
           <p:cNvPr id="6" name="灯片编号占位符 5">
             <a:extLst>
               <a:ext uri="{FF2B5EF4-FFF2-40B4-BE49-F238E27FC236}">
-                <a16:creationId xmlns:a16="http://schemas.microsoft.com/office/drawing/2014/main" id="{7524D731-833C-AF53-C586-FD045FEDC6C3}"/>
+                <a16:creationId xmlns:a16="http://schemas.microsoft.com/office/drawing/2014/main" id="{C55EBD3E-252E-C6DC-F15A-22A34FE73FBF}"/>
               </a:ext>
             </a:extLst>
           </p:cNvPr>
@@ -2992,7 +2992,7 @@
             </a:lvl1pPr>
           </a:lstStyle>
           <a:p>
-            <a:fld id="{C5A1090E-FCA0-4567-BB54-71A3C1AE2B43}" type="slidenum">
+            <a:fld id="{FD927EBE-02FE-49F6-82BC-28438A1747DE}" type="slidenum">
               <a:rPr lang="zh-CN" altLang="en-US" smtClean="0"/>
               <a:t>‹#›</a:t>
             </a:fld>
@@ -3003,7 +3003,7 @@
     </p:spTree>
     <p:extLst>
       <p:ext uri="{BB962C8B-B14F-4D97-AF65-F5344CB8AC3E}">
-        <p14:creationId xmlns:p14="http://schemas.microsoft.com/office/powerpoint/2010/main" val="248024482"/>
+        <p14:creationId xmlns:p14="http://schemas.microsoft.com/office/powerpoint/2010/main" val="1309043082"/>
       </p:ext>
     </p:extLst>
   </p:cSld>
@@ -3323,7 +3323,7 @@
       </p:grpSpPr>
       <p:pic>
         <p:nvPicPr>
-          <p:cNvPr id="1608706" name="Picture 2" descr="1570"/>
+          <p:cNvPr id="1609730" name="Picture 2" descr="1571"/>
           <p:cNvPicPr>
             <a:picLocks noChangeAspect="1" noChangeArrowheads="1"/>
           </p:cNvPicPr>
@@ -3344,8 +3344,8 @@
         </p:blipFill>
         <p:spPr bwMode="auto">
           <a:xfrm>
-            <a:off x="1543050" y="14288"/>
-            <a:ext cx="9124950" cy="6843712"/>
+            <a:off x="1524000" y="1"/>
+            <a:ext cx="9124950" cy="6843713"/>
           </a:xfrm>
           <a:prstGeom prst="rect">
             <a:avLst/>
